--- a/uploads/generated_presentation.pptx
+++ b/uploads/generated_presentation.pptx
@@ -11,9 +11,6 @@
     <p:sldId id="259" r:id="rId10"/>
     <p:sldId id="260" r:id="rId11"/>
     <p:sldId id="261" r:id="rId12"/>
-    <p:sldId id="262" r:id="rId13"/>
-    <p:sldId id="263" r:id="rId14"/>
-    <p:sldId id="264" r:id="rId15"/>
   </p:sldIdLst>
   <p:sldSz cx="9144000" cy="5144400" type="screen4x3"/>
   <p:notesSz cx="6858000" cy="9144000"/>
@@ -3164,8 +3161,8 @@
         </p:nvSpPr>
         <p:spPr>
           <a:xfrm>
-            <a:off x="0" y="2212200"/>
-            <a:ext cx="9144000" cy="720000"/>
+            <a:off x="0" y="2032199"/>
+            <a:ext cx="9144000" cy="1080000"/>
           </a:xfrm>
           <a:prstGeom prst="rect">
             <a:avLst/>
@@ -3187,7 +3184,7 @@
               </a:defRPr>
             </a:pPr>
             <a:r>
-              <a:t>나의 소망 되신 주</a:t>
+              <a:t>나의 소망 되신 주 주를 바라봅니다</a:t>
             </a:r>
           </a:p>
           <a:p>
@@ -3200,7 +3197,7 @@
               </a:defRPr>
             </a:pPr>
             <a:r>
-              <a:t>주를 바라봅니다</a:t>
+              <a:t>다시 오실 나의 왕 예수 주를 기다립니다</a:t>
             </a:r>
           </a:p>
         </p:txBody>
@@ -3291,8 +3288,8 @@
         </p:nvSpPr>
         <p:spPr>
           <a:xfrm>
-            <a:off x="0" y="2212200"/>
-            <a:ext cx="9144000" cy="720000"/>
+            <a:off x="0" y="2032199"/>
+            <a:ext cx="9144000" cy="1080000"/>
           </a:xfrm>
           <a:prstGeom prst="rect">
             <a:avLst/>
@@ -3314,7 +3311,7 @@
               </a:defRPr>
             </a:pPr>
             <a:r>
-              <a:t>다시 오실 나의 왕 예수</a:t>
+              <a:t>나의 소망 되신 주 주를 바라봅니다</a:t>
             </a:r>
           </a:p>
           <a:p>
@@ -3327,7 +3324,7 @@
               </a:defRPr>
             </a:pPr>
             <a:r>
-              <a:t>주를 기다립니다</a:t>
+              <a:t>다시 오실 나의 왕 예수 주를 기다립니다</a:t>
             </a:r>
           </a:p>
         </p:txBody>
@@ -3405,7 +3402,7 @@
               </a:defRPr>
             </a:pPr>
             <a:r>
-              <a:t>밤이나 낮이나</a:t>
+              <a:t>밤이나 낮이나 2</a:t>
             </a:r>
           </a:p>
         </p:txBody>
@@ -3418,8 +3415,8 @@
         </p:nvSpPr>
         <p:spPr>
           <a:xfrm>
-            <a:off x="0" y="2212200"/>
-            <a:ext cx="9144000" cy="720000"/>
+            <a:off x="0" y="2032199"/>
+            <a:ext cx="9144000" cy="1080000"/>
           </a:xfrm>
           <a:prstGeom prst="rect">
             <a:avLst/>
@@ -3441,7 +3438,7 @@
               </a:defRPr>
             </a:pPr>
             <a:r>
-              <a:t>나의 소망 되신 주</a:t>
+              <a:t>밤이나 낮이나 어제나 오늘도</a:t>
             </a:r>
           </a:p>
           <a:p>
@@ -3454,7 +3451,33 @@
               </a:defRPr>
             </a:pPr>
             <a:r>
-              <a:t>주를 바라봅니다</a:t>
+              <a:t>영원히 주만 찬양해</a:t>
+            </a:r>
+          </a:p>
+          <a:p>
+            <a:pPr algn="ctr">
+              <a:defRPr sz="4000" b="1">
+                <a:solidFill>
+                  <a:srgbClr val="1F3864"/>
+                </a:solidFill>
+                <a:latin typeface="Malgun Gothic"/>
+              </a:defRPr>
+            </a:pPr>
+            <a:r>
+              <a:t>괴롭고 슬플 때 낙망하여 넘어져도</a:t>
+            </a:r>
+          </a:p>
+          <a:p>
+            <a:pPr algn="ctr">
+              <a:defRPr sz="4000" b="1">
+                <a:solidFill>
+                  <a:srgbClr val="1F3864"/>
+                </a:solidFill>
+                <a:latin typeface="Malgun Gothic"/>
+              </a:defRPr>
+            </a:pPr>
+            <a:r>
+              <a:t>언제나 주만 찬양하겠네</a:t>
             </a:r>
           </a:p>
         </p:txBody>
@@ -3532,7 +3555,7 @@
               </a:defRPr>
             </a:pPr>
             <a:r>
-              <a:t>밤이나 낮이나</a:t>
+              <a:t>밤이나 낮이나 2</a:t>
             </a:r>
           </a:p>
         </p:txBody>
@@ -3545,8 +3568,8 @@
         </p:nvSpPr>
         <p:spPr>
           <a:xfrm>
-            <a:off x="0" y="2212200"/>
-            <a:ext cx="9144000" cy="720000"/>
+            <a:off x="0" y="2032199"/>
+            <a:ext cx="9144000" cy="1080000"/>
           </a:xfrm>
           <a:prstGeom prst="rect">
             <a:avLst/>
@@ -3568,7 +3591,7 @@
               </a:defRPr>
             </a:pPr>
             <a:r>
-              <a:t>다시 오실 나의 왕 예수</a:t>
+              <a:t>밤이나 낮이나 어제나 오늘도</a:t>
             </a:r>
           </a:p>
           <a:p>
@@ -3581,7 +3604,33 @@
               </a:defRPr>
             </a:pPr>
             <a:r>
-              <a:t>주를 기다립니다</a:t>
+              <a:t>영원히 주만 찬양해</a:t>
+            </a:r>
+          </a:p>
+          <a:p>
+            <a:pPr algn="ctr">
+              <a:defRPr sz="4000" b="1">
+                <a:solidFill>
+                  <a:srgbClr val="1F3864"/>
+                </a:solidFill>
+                <a:latin typeface="Malgun Gothic"/>
+              </a:defRPr>
+            </a:pPr>
+            <a:r>
+              <a:t>괴롭고 슬플 때 낙망하여 넘어져도</a:t>
+            </a:r>
+          </a:p>
+          <a:p>
+            <a:pPr algn="ctr">
+              <a:defRPr sz="4000" b="1">
+                <a:solidFill>
+                  <a:srgbClr val="1F3864"/>
+                </a:solidFill>
+                <a:latin typeface="Malgun Gothic"/>
+              </a:defRPr>
+            </a:pPr>
+            <a:r>
+              <a:t>언제나 주만 찬양하겠네</a:t>
             </a:r>
           </a:p>
         </p:txBody>
@@ -3659,7 +3708,7 @@
               </a:defRPr>
             </a:pPr>
             <a:r>
-              <a:t>밤이나 낮이나 2</a:t>
+              <a:t>밤이나 낮이나 3</a:t>
             </a:r>
           </a:p>
         </p:txBody>
@@ -3672,8 +3721,8 @@
         </p:nvSpPr>
         <p:spPr>
           <a:xfrm>
-            <a:off x="0" y="2212200"/>
-            <a:ext cx="9144000" cy="720000"/>
+            <a:off x="0" y="2032199"/>
+            <a:ext cx="9144000" cy="1080000"/>
           </a:xfrm>
           <a:prstGeom prst="rect">
             <a:avLst/>
@@ -3709,6 +3758,32 @@
             </a:pPr>
             <a:r>
               <a:t>영원히 주만 찬양해</a:t>
+            </a:r>
+          </a:p>
+          <a:p>
+            <a:pPr algn="ctr">
+              <a:defRPr sz="4000" b="1">
+                <a:solidFill>
+                  <a:srgbClr val="1F3864"/>
+                </a:solidFill>
+                <a:latin typeface="Malgun Gothic"/>
+              </a:defRPr>
+            </a:pPr>
+            <a:r>
+              <a:t>괴롭고 슬플 때 낙망하여 넘어져도</a:t>
+            </a:r>
+          </a:p>
+          <a:p>
+            <a:pPr algn="ctr">
+              <a:defRPr sz="4000" b="1">
+                <a:solidFill>
+                  <a:srgbClr val="1F3864"/>
+                </a:solidFill>
+                <a:latin typeface="Malgun Gothic"/>
+              </a:defRPr>
+            </a:pPr>
+            <a:r>
+              <a:t>언제나 주만 찬양하겠네</a:t>
             </a:r>
           </a:p>
         </p:txBody>
@@ -3786,7 +3861,7 @@
               </a:defRPr>
             </a:pPr>
             <a:r>
-              <a:t>밤이나 낮이나 2</a:t>
+              <a:t>밤이나 낮이나 3</a:t>
             </a:r>
           </a:p>
         </p:txBody>
@@ -3799,8 +3874,8 @@
         </p:nvSpPr>
         <p:spPr>
           <a:xfrm>
-            <a:off x="0" y="2212200"/>
-            <a:ext cx="9144000" cy="720000"/>
+            <a:off x="0" y="2032199"/>
+            <a:ext cx="9144000" cy="1080000"/>
           </a:xfrm>
           <a:prstGeom prst="rect">
             <a:avLst/>
@@ -3822,7 +3897,7 @@
               </a:defRPr>
             </a:pPr>
             <a:r>
-              <a:t>괴롭고 슬플 때 낙망하여 넘어져도</a:t>
+              <a:t>밤이나 낮이나 어제나 오늘도</a:t>
             </a:r>
           </a:p>
           <a:p>
@@ -3835,110 +3910,9 @@
               </a:defRPr>
             </a:pPr>
             <a:r>
-              <a:t>언제나 주만 찬양하겠네</a:t>
-            </a:r>
-          </a:p>
-        </p:txBody>
-      </p:sp>
-    </p:spTree>
-  </p:cSld>
-  <p:clrMapOvr>
-    <a:masterClrMapping/>
-  </p:clrMapOvr>
-</p:sld>
-</file>
-
-<file path=ppt/slides/slide7.xml><?xml version="1.0" encoding="utf-8"?>
-<p:sld xmlns:a="http://schemas.openxmlformats.org/drawingml/2006/main" xmlns:p="http://schemas.openxmlformats.org/presentationml/2006/main" xmlns:r="http://schemas.openxmlformats.org/officeDocument/2006/relationships">
-  <p:cSld>
-    <p:spTree>
-      <p:nvGrpSpPr>
-        <p:cNvPr id="1" name=""/>
-        <p:cNvGrpSpPr/>
-        <p:nvPr/>
-      </p:nvGrpSpPr>
-      <p:grpSpPr/>
-      <p:pic>
-        <p:nvPicPr>
-          <p:cNvPr id="2" name="Picture 1" descr="background.jpg"/>
-          <p:cNvPicPr>
-            <a:picLocks noChangeAspect="1"/>
-          </p:cNvPicPr>
-          <p:nvPr/>
-        </p:nvPicPr>
-        <p:blipFill>
-          <a:blip r:embed="rId2"/>
-          <a:stretch>
-            <a:fillRect/>
-          </a:stretch>
-        </p:blipFill>
-        <p:spPr>
-          <a:xfrm>
-            <a:off x="0" y="0"/>
-            <a:ext cx="9144000" cy="5144400"/>
-          </a:xfrm>
-          <a:prstGeom prst="rect">
-            <a:avLst/>
-          </a:prstGeom>
-        </p:spPr>
-      </p:pic>
-      <p:sp>
-        <p:nvSpPr>
-          <p:cNvPr id="3" name="TextBox 2"/>
-          <p:cNvSpPr txBox="1"/>
-          <p:nvPr/>
-        </p:nvSpPr>
-        <p:spPr>
-          <a:xfrm>
-            <a:off x="316800" y="291600"/>
-            <a:ext cx="3600000" cy="720000"/>
-          </a:xfrm>
-          <a:prstGeom prst="rect">
-            <a:avLst/>
-          </a:prstGeom>
-          <a:noFill/>
-        </p:spPr>
-        <p:txBody>
-          <a:bodyPr wrap="none">
-            <a:spAutoFit/>
-          </a:bodyPr>
-          <a:lstStyle/>
-          <a:p>
-            <a:pPr algn="l">
-              <a:defRPr b="1" sz="1750">
-                <a:solidFill>
-                  <a:srgbClr val="595959"/>
-                </a:solidFill>
-                <a:latin typeface="Malgun Gothic"/>
-              </a:defRPr>
-            </a:pPr>
-            <a:r>
-              <a:t>밤이나 낮이나 2</a:t>
-            </a:r>
-          </a:p>
-        </p:txBody>
-      </p:sp>
-      <p:sp>
-        <p:nvSpPr>
-          <p:cNvPr id="4" name="TextBox 3"/>
-          <p:cNvSpPr txBox="1"/>
-          <p:nvPr/>
-        </p:nvSpPr>
-        <p:spPr>
-          <a:xfrm>
-            <a:off x="0" y="2212200"/>
-            <a:ext cx="9144000" cy="720000"/>
-          </a:xfrm>
-          <a:prstGeom prst="rect">
-            <a:avLst/>
-          </a:prstGeom>
-          <a:noFill/>
-        </p:spPr>
-        <p:txBody>
-          <a:bodyPr wrap="none" anchor="ctr">
-            <a:spAutoFit/>
-          </a:bodyPr>
-          <a:lstStyle/>
+              <a:t>영원히 주만 찬양해</a:t>
+            </a:r>
+          </a:p>
           <a:p>
             <a:pPr algn="ctr">
               <a:defRPr sz="4000" b="1">
@@ -3949,7 +3923,7 @@
               </a:defRPr>
             </a:pPr>
             <a:r>
-              <a:t>밤이나 낮이나 어제나 오늘도</a:t>
+              <a:t>괴롭고 슬플 때 낙망하여 넘어져도</a:t>
             </a:r>
           </a:p>
           <a:p>
@@ -3962,248 +3936,7 @@
               </a:defRPr>
             </a:pPr>
             <a:r>
-              <a:t>영원히 주만 찬양해</a:t>
-            </a:r>
-          </a:p>
-        </p:txBody>
-      </p:sp>
-    </p:spTree>
-  </p:cSld>
-  <p:clrMapOvr>
-    <a:masterClrMapping/>
-  </p:clrMapOvr>
-</p:sld>
-</file>
-
-<file path=ppt/slides/slide8.xml><?xml version="1.0" encoding="utf-8"?>
-<p:sld xmlns:a="http://schemas.openxmlformats.org/drawingml/2006/main" xmlns:p="http://schemas.openxmlformats.org/presentationml/2006/main" xmlns:r="http://schemas.openxmlformats.org/officeDocument/2006/relationships">
-  <p:cSld>
-    <p:spTree>
-      <p:nvGrpSpPr>
-        <p:cNvPr id="1" name=""/>
-        <p:cNvGrpSpPr/>
-        <p:nvPr/>
-      </p:nvGrpSpPr>
-      <p:grpSpPr/>
-      <p:pic>
-        <p:nvPicPr>
-          <p:cNvPr id="2" name="Picture 1" descr="background.jpg"/>
-          <p:cNvPicPr>
-            <a:picLocks noChangeAspect="1"/>
-          </p:cNvPicPr>
-          <p:nvPr/>
-        </p:nvPicPr>
-        <p:blipFill>
-          <a:blip r:embed="rId2"/>
-          <a:stretch>
-            <a:fillRect/>
-          </a:stretch>
-        </p:blipFill>
-        <p:spPr>
-          <a:xfrm>
-            <a:off x="0" y="0"/>
-            <a:ext cx="9144000" cy="5144400"/>
-          </a:xfrm>
-          <a:prstGeom prst="rect">
-            <a:avLst/>
-          </a:prstGeom>
-        </p:spPr>
-      </p:pic>
-      <p:sp>
-        <p:nvSpPr>
-          <p:cNvPr id="3" name="TextBox 2"/>
-          <p:cNvSpPr txBox="1"/>
-          <p:nvPr/>
-        </p:nvSpPr>
-        <p:spPr>
-          <a:xfrm>
-            <a:off x="316800" y="291600"/>
-            <a:ext cx="3600000" cy="720000"/>
-          </a:xfrm>
-          <a:prstGeom prst="rect">
-            <a:avLst/>
-          </a:prstGeom>
-          <a:noFill/>
-        </p:spPr>
-        <p:txBody>
-          <a:bodyPr wrap="none">
-            <a:spAutoFit/>
-          </a:bodyPr>
-          <a:lstStyle/>
-          <a:p>
-            <a:pPr algn="l">
-              <a:defRPr b="1" sz="1750">
-                <a:solidFill>
-                  <a:srgbClr val="595959"/>
-                </a:solidFill>
-                <a:latin typeface="Malgun Gothic"/>
-              </a:defRPr>
-            </a:pPr>
-            <a:r>
-              <a:t>밤이나 낮이나 2</a:t>
-            </a:r>
-          </a:p>
-        </p:txBody>
-      </p:sp>
-      <p:sp>
-        <p:nvSpPr>
-          <p:cNvPr id="4" name="TextBox 3"/>
-          <p:cNvSpPr txBox="1"/>
-          <p:nvPr/>
-        </p:nvSpPr>
-        <p:spPr>
-          <a:xfrm>
-            <a:off x="0" y="2212200"/>
-            <a:ext cx="9144000" cy="720000"/>
-          </a:xfrm>
-          <a:prstGeom prst="rect">
-            <a:avLst/>
-          </a:prstGeom>
-          <a:noFill/>
-        </p:spPr>
-        <p:txBody>
-          <a:bodyPr wrap="none" anchor="ctr">
-            <a:spAutoFit/>
-          </a:bodyPr>
-          <a:lstStyle/>
-          <a:p>
-            <a:pPr algn="ctr">
-              <a:defRPr sz="4000" b="1">
-                <a:solidFill>
-                  <a:srgbClr val="1F3864"/>
-                </a:solidFill>
-                <a:latin typeface="Malgun Gothic"/>
-              </a:defRPr>
-            </a:pPr>
-            <a:r>
-              <a:t>괴롭고 슬플 때 낙망하여 넘어져도</a:t>
-            </a:r>
-          </a:p>
-          <a:p>
-            <a:pPr algn="ctr">
-              <a:defRPr sz="4000" b="1">
-                <a:solidFill>
-                  <a:srgbClr val="1F3864"/>
-                </a:solidFill>
-                <a:latin typeface="Malgun Gothic"/>
-              </a:defRPr>
-            </a:pPr>
-            <a:r>
               <a:t>언제나 주만 찬양하겠네</a:t>
-            </a:r>
-          </a:p>
-        </p:txBody>
-      </p:sp>
-    </p:spTree>
-  </p:cSld>
-  <p:clrMapOvr>
-    <a:masterClrMapping/>
-  </p:clrMapOvr>
-</p:sld>
-</file>
-
-<file path=ppt/slides/slide9.xml><?xml version="1.0" encoding="utf-8"?>
-<p:sld xmlns:a="http://schemas.openxmlformats.org/drawingml/2006/main" xmlns:p="http://schemas.openxmlformats.org/presentationml/2006/main" xmlns:r="http://schemas.openxmlformats.org/officeDocument/2006/relationships">
-  <p:cSld>
-    <p:spTree>
-      <p:nvGrpSpPr>
-        <p:cNvPr id="1" name=""/>
-        <p:cNvGrpSpPr/>
-        <p:nvPr/>
-      </p:nvGrpSpPr>
-      <p:grpSpPr/>
-      <p:pic>
-        <p:nvPicPr>
-          <p:cNvPr id="2" name="Picture 1" descr="background.jpg"/>
-          <p:cNvPicPr>
-            <a:picLocks noChangeAspect="1"/>
-          </p:cNvPicPr>
-          <p:nvPr/>
-        </p:nvPicPr>
-        <p:blipFill>
-          <a:blip r:embed="rId2"/>
-          <a:stretch>
-            <a:fillRect/>
-          </a:stretch>
-        </p:blipFill>
-        <p:spPr>
-          <a:xfrm>
-            <a:off x="0" y="0"/>
-            <a:ext cx="9144000" cy="5144400"/>
-          </a:xfrm>
-          <a:prstGeom prst="rect">
-            <a:avLst/>
-          </a:prstGeom>
-        </p:spPr>
-      </p:pic>
-      <p:sp>
-        <p:nvSpPr>
-          <p:cNvPr id="3" name="TextBox 2"/>
-          <p:cNvSpPr txBox="1"/>
-          <p:nvPr/>
-        </p:nvSpPr>
-        <p:spPr>
-          <a:xfrm>
-            <a:off x="316800" y="291600"/>
-            <a:ext cx="3600000" cy="720000"/>
-          </a:xfrm>
-          <a:prstGeom prst="rect">
-            <a:avLst/>
-          </a:prstGeom>
-          <a:noFill/>
-        </p:spPr>
-        <p:txBody>
-          <a:bodyPr wrap="none">
-            <a:spAutoFit/>
-          </a:bodyPr>
-          <a:lstStyle/>
-          <a:p>
-            <a:pPr algn="l">
-              <a:defRPr b="1" sz="1750">
-                <a:solidFill>
-                  <a:srgbClr val="595959"/>
-                </a:solidFill>
-                <a:latin typeface="Malgun Gothic"/>
-              </a:defRPr>
-            </a:pPr>
-            <a:r>
-              <a:t>밤이나 낮이나 2</a:t>
-            </a:r>
-          </a:p>
-        </p:txBody>
-      </p:sp>
-      <p:sp>
-        <p:nvSpPr>
-          <p:cNvPr id="4" name="TextBox 3"/>
-          <p:cNvSpPr txBox="1"/>
-          <p:nvPr/>
-        </p:nvSpPr>
-        <p:spPr>
-          <a:xfrm>
-            <a:off x="0" y="2212200"/>
-            <a:ext cx="9144000" cy="720000"/>
-          </a:xfrm>
-          <a:prstGeom prst="rect">
-            <a:avLst/>
-          </a:prstGeom>
-          <a:noFill/>
-        </p:spPr>
-        <p:txBody>
-          <a:bodyPr wrap="none" anchor="ctr">
-            <a:spAutoFit/>
-          </a:bodyPr>
-          <a:lstStyle/>
-          <a:p>
-            <a:pPr algn="ctr">
-              <a:defRPr sz="4000" b="1">
-                <a:solidFill>
-                  <a:srgbClr val="1F3864"/>
-                </a:solidFill>
-                <a:latin typeface="Malgun Gothic"/>
-              </a:defRPr>
-            </a:pPr>
-            <a:r>
-              <a:t>주만 찬양하겠네</a:t>
             </a:r>
           </a:p>
         </p:txBody>
